--- a/docs/diagrams/SDforEmailCommandParser.pptx
+++ b/docs/diagrams/SDforEmailCommandParser.pptx
@@ -129,7 +129,7 @@
           <p:cNvPr id="2" name="Title 1">
             <a:extLst>
               <a:ext uri="{FF2B5EF4-FFF2-40B4-BE49-F238E27FC236}">
-                <a16:creationId xmlns:a16="http://schemas.microsoft.com/office/drawing/2014/main" id="{CB9FAA67-7210-4C1D-9061-D5EB1291AD0C}"/>
+                <a16:creationId xmlns:a16="http://schemas.microsoft.com/office/drawing/2014/main" xmlns="" id="{CB9FAA67-7210-4C1D-9061-D5EB1291AD0C}"/>
               </a:ext>
             </a:extLst>
           </p:cNvPr>
@@ -167,7 +167,7 @@
           <p:cNvPr id="3" name="Subtitle 2">
             <a:extLst>
               <a:ext uri="{FF2B5EF4-FFF2-40B4-BE49-F238E27FC236}">
-                <a16:creationId xmlns:a16="http://schemas.microsoft.com/office/drawing/2014/main" id="{E6A0A68F-F5FB-4334-B4C2-ED75C5C9908A}"/>
+                <a16:creationId xmlns:a16="http://schemas.microsoft.com/office/drawing/2014/main" xmlns="" id="{E6A0A68F-F5FB-4334-B4C2-ED75C5C9908A}"/>
               </a:ext>
             </a:extLst>
           </p:cNvPr>
@@ -238,7 +238,7 @@
           <p:cNvPr id="4" name="Date Placeholder 3">
             <a:extLst>
               <a:ext uri="{FF2B5EF4-FFF2-40B4-BE49-F238E27FC236}">
-                <a16:creationId xmlns:a16="http://schemas.microsoft.com/office/drawing/2014/main" id="{02EAB2DC-D73D-4D65-9742-8E9D585C0D93}"/>
+                <a16:creationId xmlns:a16="http://schemas.microsoft.com/office/drawing/2014/main" xmlns="" id="{02EAB2DC-D73D-4D65-9742-8E9D585C0D93}"/>
               </a:ext>
             </a:extLst>
           </p:cNvPr>
@@ -256,7 +256,7 @@
           <a:p>
             <a:fld id="{720CFDBD-53AE-4EA1-8938-454FED6C7AF3}" type="datetimeFigureOut">
               <a:rPr lang="en-IN" smtClean="0"/>
-              <a:t>20-03-2018</a:t>
+              <a:t>21-03-2018</a:t>
             </a:fld>
             <a:endParaRPr lang="en-IN"/>
           </a:p>
@@ -267,7 +267,7 @@
           <p:cNvPr id="5" name="Footer Placeholder 4">
             <a:extLst>
               <a:ext uri="{FF2B5EF4-FFF2-40B4-BE49-F238E27FC236}">
-                <a16:creationId xmlns:a16="http://schemas.microsoft.com/office/drawing/2014/main" id="{BED49677-ABCF-429E-85F8-7AEF58F7667D}"/>
+                <a16:creationId xmlns:a16="http://schemas.microsoft.com/office/drawing/2014/main" xmlns="" id="{BED49677-ABCF-429E-85F8-7AEF58F7667D}"/>
               </a:ext>
             </a:extLst>
           </p:cNvPr>
@@ -292,7 +292,7 @@
           <p:cNvPr id="6" name="Slide Number Placeholder 5">
             <a:extLst>
               <a:ext uri="{FF2B5EF4-FFF2-40B4-BE49-F238E27FC236}">
-                <a16:creationId xmlns:a16="http://schemas.microsoft.com/office/drawing/2014/main" id="{DF55C2B8-3CCF-4AD8-B8EE-1AFF22DB6181}"/>
+                <a16:creationId xmlns:a16="http://schemas.microsoft.com/office/drawing/2014/main" xmlns="" id="{DF55C2B8-3CCF-4AD8-B8EE-1AFF22DB6181}"/>
               </a:ext>
             </a:extLst>
           </p:cNvPr>
@@ -351,7 +351,7 @@
           <p:cNvPr id="2" name="Title 1">
             <a:extLst>
               <a:ext uri="{FF2B5EF4-FFF2-40B4-BE49-F238E27FC236}">
-                <a16:creationId xmlns:a16="http://schemas.microsoft.com/office/drawing/2014/main" id="{2A193A91-556A-4CB5-A88D-2CBA3A1F0DE6}"/>
+                <a16:creationId xmlns:a16="http://schemas.microsoft.com/office/drawing/2014/main" xmlns="" id="{2A193A91-556A-4CB5-A88D-2CBA3A1F0DE6}"/>
               </a:ext>
             </a:extLst>
           </p:cNvPr>
@@ -380,7 +380,7 @@
           <p:cNvPr id="3" name="Vertical Text Placeholder 2">
             <a:extLst>
               <a:ext uri="{FF2B5EF4-FFF2-40B4-BE49-F238E27FC236}">
-                <a16:creationId xmlns:a16="http://schemas.microsoft.com/office/drawing/2014/main" id="{AE35CB48-63B5-4444-8A2F-E0E6C618CCDC}"/>
+                <a16:creationId xmlns:a16="http://schemas.microsoft.com/office/drawing/2014/main" xmlns="" id="{AE35CB48-63B5-4444-8A2F-E0E6C618CCDC}"/>
               </a:ext>
             </a:extLst>
           </p:cNvPr>
@@ -438,7 +438,7 @@
           <p:cNvPr id="4" name="Date Placeholder 3">
             <a:extLst>
               <a:ext uri="{FF2B5EF4-FFF2-40B4-BE49-F238E27FC236}">
-                <a16:creationId xmlns:a16="http://schemas.microsoft.com/office/drawing/2014/main" id="{BA0A1BEC-9C2F-4884-9425-035122EDFFF4}"/>
+                <a16:creationId xmlns:a16="http://schemas.microsoft.com/office/drawing/2014/main" xmlns="" id="{BA0A1BEC-9C2F-4884-9425-035122EDFFF4}"/>
               </a:ext>
             </a:extLst>
           </p:cNvPr>
@@ -456,7 +456,7 @@
           <a:p>
             <a:fld id="{720CFDBD-53AE-4EA1-8938-454FED6C7AF3}" type="datetimeFigureOut">
               <a:rPr lang="en-IN" smtClean="0"/>
-              <a:t>20-03-2018</a:t>
+              <a:t>21-03-2018</a:t>
             </a:fld>
             <a:endParaRPr lang="en-IN"/>
           </a:p>
@@ -467,7 +467,7 @@
           <p:cNvPr id="5" name="Footer Placeholder 4">
             <a:extLst>
               <a:ext uri="{FF2B5EF4-FFF2-40B4-BE49-F238E27FC236}">
-                <a16:creationId xmlns:a16="http://schemas.microsoft.com/office/drawing/2014/main" id="{3B5DF133-819A-4DB7-BD6B-43891B45B02B}"/>
+                <a16:creationId xmlns:a16="http://schemas.microsoft.com/office/drawing/2014/main" xmlns="" id="{3B5DF133-819A-4DB7-BD6B-43891B45B02B}"/>
               </a:ext>
             </a:extLst>
           </p:cNvPr>
@@ -492,7 +492,7 @@
           <p:cNvPr id="6" name="Slide Number Placeholder 5">
             <a:extLst>
               <a:ext uri="{FF2B5EF4-FFF2-40B4-BE49-F238E27FC236}">
-                <a16:creationId xmlns:a16="http://schemas.microsoft.com/office/drawing/2014/main" id="{F419B725-8BD9-4200-987C-2B7672090D7D}"/>
+                <a16:creationId xmlns:a16="http://schemas.microsoft.com/office/drawing/2014/main" xmlns="" id="{F419B725-8BD9-4200-987C-2B7672090D7D}"/>
               </a:ext>
             </a:extLst>
           </p:cNvPr>
@@ -551,7 +551,7 @@
           <p:cNvPr id="2" name="Vertical Title 1">
             <a:extLst>
               <a:ext uri="{FF2B5EF4-FFF2-40B4-BE49-F238E27FC236}">
-                <a16:creationId xmlns:a16="http://schemas.microsoft.com/office/drawing/2014/main" id="{09D50E33-7C1E-4AFC-9260-BCC3BEC5F8BC}"/>
+                <a16:creationId xmlns:a16="http://schemas.microsoft.com/office/drawing/2014/main" xmlns="" id="{09D50E33-7C1E-4AFC-9260-BCC3BEC5F8BC}"/>
               </a:ext>
             </a:extLst>
           </p:cNvPr>
@@ -585,7 +585,7 @@
           <p:cNvPr id="3" name="Vertical Text Placeholder 2">
             <a:extLst>
               <a:ext uri="{FF2B5EF4-FFF2-40B4-BE49-F238E27FC236}">
-                <a16:creationId xmlns:a16="http://schemas.microsoft.com/office/drawing/2014/main" id="{1E935279-0A6E-49CE-8A10-E4509242FBDA}"/>
+                <a16:creationId xmlns:a16="http://schemas.microsoft.com/office/drawing/2014/main" xmlns="" id="{1E935279-0A6E-49CE-8A10-E4509242FBDA}"/>
               </a:ext>
             </a:extLst>
           </p:cNvPr>
@@ -648,7 +648,7 @@
           <p:cNvPr id="4" name="Date Placeholder 3">
             <a:extLst>
               <a:ext uri="{FF2B5EF4-FFF2-40B4-BE49-F238E27FC236}">
-                <a16:creationId xmlns:a16="http://schemas.microsoft.com/office/drawing/2014/main" id="{C624FC4E-6C72-4CFD-B5EE-592E0F392CB8}"/>
+                <a16:creationId xmlns:a16="http://schemas.microsoft.com/office/drawing/2014/main" xmlns="" id="{C624FC4E-6C72-4CFD-B5EE-592E0F392CB8}"/>
               </a:ext>
             </a:extLst>
           </p:cNvPr>
@@ -666,7 +666,7 @@
           <a:p>
             <a:fld id="{720CFDBD-53AE-4EA1-8938-454FED6C7AF3}" type="datetimeFigureOut">
               <a:rPr lang="en-IN" smtClean="0"/>
-              <a:t>20-03-2018</a:t>
+              <a:t>21-03-2018</a:t>
             </a:fld>
             <a:endParaRPr lang="en-IN"/>
           </a:p>
@@ -677,7 +677,7 @@
           <p:cNvPr id="5" name="Footer Placeholder 4">
             <a:extLst>
               <a:ext uri="{FF2B5EF4-FFF2-40B4-BE49-F238E27FC236}">
-                <a16:creationId xmlns:a16="http://schemas.microsoft.com/office/drawing/2014/main" id="{9A4AD13C-8528-4BAE-8458-C31797DE4A06}"/>
+                <a16:creationId xmlns:a16="http://schemas.microsoft.com/office/drawing/2014/main" xmlns="" id="{9A4AD13C-8528-4BAE-8458-C31797DE4A06}"/>
               </a:ext>
             </a:extLst>
           </p:cNvPr>
@@ -702,7 +702,7 @@
           <p:cNvPr id="6" name="Slide Number Placeholder 5">
             <a:extLst>
               <a:ext uri="{FF2B5EF4-FFF2-40B4-BE49-F238E27FC236}">
-                <a16:creationId xmlns:a16="http://schemas.microsoft.com/office/drawing/2014/main" id="{73C3469C-9DEF-4DA0-B3FA-5D549C0A0E0C}"/>
+                <a16:creationId xmlns:a16="http://schemas.microsoft.com/office/drawing/2014/main" xmlns="" id="{73C3469C-9DEF-4DA0-B3FA-5D549C0A0E0C}"/>
               </a:ext>
             </a:extLst>
           </p:cNvPr>
@@ -761,7 +761,7 @@
           <p:cNvPr id="2" name="Title 1">
             <a:extLst>
               <a:ext uri="{FF2B5EF4-FFF2-40B4-BE49-F238E27FC236}">
-                <a16:creationId xmlns:a16="http://schemas.microsoft.com/office/drawing/2014/main" id="{6611E3AF-B6C8-4F6A-AA46-6105CB885411}"/>
+                <a16:creationId xmlns:a16="http://schemas.microsoft.com/office/drawing/2014/main" xmlns="" id="{6611E3AF-B6C8-4F6A-AA46-6105CB885411}"/>
               </a:ext>
             </a:extLst>
           </p:cNvPr>
@@ -790,7 +790,7 @@
           <p:cNvPr id="3" name="Content Placeholder 2">
             <a:extLst>
               <a:ext uri="{FF2B5EF4-FFF2-40B4-BE49-F238E27FC236}">
-                <a16:creationId xmlns:a16="http://schemas.microsoft.com/office/drawing/2014/main" id="{C69D7790-42B3-44B1-91E7-D398F578C457}"/>
+                <a16:creationId xmlns:a16="http://schemas.microsoft.com/office/drawing/2014/main" xmlns="" id="{C69D7790-42B3-44B1-91E7-D398F578C457}"/>
               </a:ext>
             </a:extLst>
           </p:cNvPr>
@@ -848,7 +848,7 @@
           <p:cNvPr id="4" name="Date Placeholder 3">
             <a:extLst>
               <a:ext uri="{FF2B5EF4-FFF2-40B4-BE49-F238E27FC236}">
-                <a16:creationId xmlns:a16="http://schemas.microsoft.com/office/drawing/2014/main" id="{9686591C-2BA1-4DBB-9BCE-9F78F3B843BB}"/>
+                <a16:creationId xmlns:a16="http://schemas.microsoft.com/office/drawing/2014/main" xmlns="" id="{9686591C-2BA1-4DBB-9BCE-9F78F3B843BB}"/>
               </a:ext>
             </a:extLst>
           </p:cNvPr>
@@ -866,7 +866,7 @@
           <a:p>
             <a:fld id="{720CFDBD-53AE-4EA1-8938-454FED6C7AF3}" type="datetimeFigureOut">
               <a:rPr lang="en-IN" smtClean="0"/>
-              <a:t>20-03-2018</a:t>
+              <a:t>21-03-2018</a:t>
             </a:fld>
             <a:endParaRPr lang="en-IN"/>
           </a:p>
@@ -877,7 +877,7 @@
           <p:cNvPr id="5" name="Footer Placeholder 4">
             <a:extLst>
               <a:ext uri="{FF2B5EF4-FFF2-40B4-BE49-F238E27FC236}">
-                <a16:creationId xmlns:a16="http://schemas.microsoft.com/office/drawing/2014/main" id="{CAD47174-EB02-4D3A-921A-448D7EC3A4CC}"/>
+                <a16:creationId xmlns:a16="http://schemas.microsoft.com/office/drawing/2014/main" xmlns="" id="{CAD47174-EB02-4D3A-921A-448D7EC3A4CC}"/>
               </a:ext>
             </a:extLst>
           </p:cNvPr>
@@ -902,7 +902,7 @@
           <p:cNvPr id="6" name="Slide Number Placeholder 5">
             <a:extLst>
               <a:ext uri="{FF2B5EF4-FFF2-40B4-BE49-F238E27FC236}">
-                <a16:creationId xmlns:a16="http://schemas.microsoft.com/office/drawing/2014/main" id="{A031C43E-B331-4294-8693-9794BB6AEF01}"/>
+                <a16:creationId xmlns:a16="http://schemas.microsoft.com/office/drawing/2014/main" xmlns="" id="{A031C43E-B331-4294-8693-9794BB6AEF01}"/>
               </a:ext>
             </a:extLst>
           </p:cNvPr>
@@ -961,7 +961,7 @@
           <p:cNvPr id="2" name="Title 1">
             <a:extLst>
               <a:ext uri="{FF2B5EF4-FFF2-40B4-BE49-F238E27FC236}">
-                <a16:creationId xmlns:a16="http://schemas.microsoft.com/office/drawing/2014/main" id="{54CECFAF-018C-4409-8350-93E06EE76413}"/>
+                <a16:creationId xmlns:a16="http://schemas.microsoft.com/office/drawing/2014/main" xmlns="" id="{54CECFAF-018C-4409-8350-93E06EE76413}"/>
               </a:ext>
             </a:extLst>
           </p:cNvPr>
@@ -999,7 +999,7 @@
           <p:cNvPr id="3" name="Text Placeholder 2">
             <a:extLst>
               <a:ext uri="{FF2B5EF4-FFF2-40B4-BE49-F238E27FC236}">
-                <a16:creationId xmlns:a16="http://schemas.microsoft.com/office/drawing/2014/main" id="{7A2A7780-F0A1-43C6-9273-152040C0E1D9}"/>
+                <a16:creationId xmlns:a16="http://schemas.microsoft.com/office/drawing/2014/main" xmlns="" id="{7A2A7780-F0A1-43C6-9273-152040C0E1D9}"/>
               </a:ext>
             </a:extLst>
           </p:cNvPr>
@@ -1124,7 +1124,7 @@
           <p:cNvPr id="4" name="Date Placeholder 3">
             <a:extLst>
               <a:ext uri="{FF2B5EF4-FFF2-40B4-BE49-F238E27FC236}">
-                <a16:creationId xmlns:a16="http://schemas.microsoft.com/office/drawing/2014/main" id="{62863D66-1BF6-4961-A59D-9F2B93477D24}"/>
+                <a16:creationId xmlns:a16="http://schemas.microsoft.com/office/drawing/2014/main" xmlns="" id="{62863D66-1BF6-4961-A59D-9F2B93477D24}"/>
               </a:ext>
             </a:extLst>
           </p:cNvPr>
@@ -1142,7 +1142,7 @@
           <a:p>
             <a:fld id="{720CFDBD-53AE-4EA1-8938-454FED6C7AF3}" type="datetimeFigureOut">
               <a:rPr lang="en-IN" smtClean="0"/>
-              <a:t>20-03-2018</a:t>
+              <a:t>21-03-2018</a:t>
             </a:fld>
             <a:endParaRPr lang="en-IN"/>
           </a:p>
@@ -1153,7 +1153,7 @@
           <p:cNvPr id="5" name="Footer Placeholder 4">
             <a:extLst>
               <a:ext uri="{FF2B5EF4-FFF2-40B4-BE49-F238E27FC236}">
-                <a16:creationId xmlns:a16="http://schemas.microsoft.com/office/drawing/2014/main" id="{13F90086-626C-4EDF-B781-6FB9F1E59001}"/>
+                <a16:creationId xmlns:a16="http://schemas.microsoft.com/office/drawing/2014/main" xmlns="" id="{13F90086-626C-4EDF-B781-6FB9F1E59001}"/>
               </a:ext>
             </a:extLst>
           </p:cNvPr>
@@ -1178,7 +1178,7 @@
           <p:cNvPr id="6" name="Slide Number Placeholder 5">
             <a:extLst>
               <a:ext uri="{FF2B5EF4-FFF2-40B4-BE49-F238E27FC236}">
-                <a16:creationId xmlns:a16="http://schemas.microsoft.com/office/drawing/2014/main" id="{4E9C2D29-AB29-42CA-98E9-963E8E99EF13}"/>
+                <a16:creationId xmlns:a16="http://schemas.microsoft.com/office/drawing/2014/main" xmlns="" id="{4E9C2D29-AB29-42CA-98E9-963E8E99EF13}"/>
               </a:ext>
             </a:extLst>
           </p:cNvPr>
@@ -1237,7 +1237,7 @@
           <p:cNvPr id="2" name="Title 1">
             <a:extLst>
               <a:ext uri="{FF2B5EF4-FFF2-40B4-BE49-F238E27FC236}">
-                <a16:creationId xmlns:a16="http://schemas.microsoft.com/office/drawing/2014/main" id="{FBAD49A3-288E-401B-842A-BB5F404F3783}"/>
+                <a16:creationId xmlns:a16="http://schemas.microsoft.com/office/drawing/2014/main" xmlns="" id="{FBAD49A3-288E-401B-842A-BB5F404F3783}"/>
               </a:ext>
             </a:extLst>
           </p:cNvPr>
@@ -1266,7 +1266,7 @@
           <p:cNvPr id="3" name="Content Placeholder 2">
             <a:extLst>
               <a:ext uri="{FF2B5EF4-FFF2-40B4-BE49-F238E27FC236}">
-                <a16:creationId xmlns:a16="http://schemas.microsoft.com/office/drawing/2014/main" id="{6193FC93-C83D-4E6C-A622-5ECCA0402442}"/>
+                <a16:creationId xmlns:a16="http://schemas.microsoft.com/office/drawing/2014/main" xmlns="" id="{6193FC93-C83D-4E6C-A622-5ECCA0402442}"/>
               </a:ext>
             </a:extLst>
           </p:cNvPr>
@@ -1329,7 +1329,7 @@
           <p:cNvPr id="4" name="Content Placeholder 3">
             <a:extLst>
               <a:ext uri="{FF2B5EF4-FFF2-40B4-BE49-F238E27FC236}">
-                <a16:creationId xmlns:a16="http://schemas.microsoft.com/office/drawing/2014/main" id="{BA7BF5E5-61FF-488D-A65D-DAEF16F039CC}"/>
+                <a16:creationId xmlns:a16="http://schemas.microsoft.com/office/drawing/2014/main" xmlns="" id="{BA7BF5E5-61FF-488D-A65D-DAEF16F039CC}"/>
               </a:ext>
             </a:extLst>
           </p:cNvPr>
@@ -1392,7 +1392,7 @@
           <p:cNvPr id="5" name="Date Placeholder 4">
             <a:extLst>
               <a:ext uri="{FF2B5EF4-FFF2-40B4-BE49-F238E27FC236}">
-                <a16:creationId xmlns:a16="http://schemas.microsoft.com/office/drawing/2014/main" id="{3BF5F9B0-7950-4F9A-88B9-1B744FEE21B2}"/>
+                <a16:creationId xmlns:a16="http://schemas.microsoft.com/office/drawing/2014/main" xmlns="" id="{3BF5F9B0-7950-4F9A-88B9-1B744FEE21B2}"/>
               </a:ext>
             </a:extLst>
           </p:cNvPr>
@@ -1410,7 +1410,7 @@
           <a:p>
             <a:fld id="{720CFDBD-53AE-4EA1-8938-454FED6C7AF3}" type="datetimeFigureOut">
               <a:rPr lang="en-IN" smtClean="0"/>
-              <a:t>20-03-2018</a:t>
+              <a:t>21-03-2018</a:t>
             </a:fld>
             <a:endParaRPr lang="en-IN"/>
           </a:p>
@@ -1421,7 +1421,7 @@
           <p:cNvPr id="6" name="Footer Placeholder 5">
             <a:extLst>
               <a:ext uri="{FF2B5EF4-FFF2-40B4-BE49-F238E27FC236}">
-                <a16:creationId xmlns:a16="http://schemas.microsoft.com/office/drawing/2014/main" id="{0D14FC48-9AF6-4683-ABFF-59DEDA1A98AF}"/>
+                <a16:creationId xmlns:a16="http://schemas.microsoft.com/office/drawing/2014/main" xmlns="" id="{0D14FC48-9AF6-4683-ABFF-59DEDA1A98AF}"/>
               </a:ext>
             </a:extLst>
           </p:cNvPr>
@@ -1446,7 +1446,7 @@
           <p:cNvPr id="7" name="Slide Number Placeholder 6">
             <a:extLst>
               <a:ext uri="{FF2B5EF4-FFF2-40B4-BE49-F238E27FC236}">
-                <a16:creationId xmlns:a16="http://schemas.microsoft.com/office/drawing/2014/main" id="{27D57D3D-7520-4FDA-8BBA-F3DF03271D5F}"/>
+                <a16:creationId xmlns:a16="http://schemas.microsoft.com/office/drawing/2014/main" xmlns="" id="{27D57D3D-7520-4FDA-8BBA-F3DF03271D5F}"/>
               </a:ext>
             </a:extLst>
           </p:cNvPr>
@@ -1505,7 +1505,7 @@
           <p:cNvPr id="2" name="Title 1">
             <a:extLst>
               <a:ext uri="{FF2B5EF4-FFF2-40B4-BE49-F238E27FC236}">
-                <a16:creationId xmlns:a16="http://schemas.microsoft.com/office/drawing/2014/main" id="{4E73DB3B-F85C-4769-A242-03FF8AA13E7D}"/>
+                <a16:creationId xmlns:a16="http://schemas.microsoft.com/office/drawing/2014/main" xmlns="" id="{4E73DB3B-F85C-4769-A242-03FF8AA13E7D}"/>
               </a:ext>
             </a:extLst>
           </p:cNvPr>
@@ -1539,7 +1539,7 @@
           <p:cNvPr id="3" name="Text Placeholder 2">
             <a:extLst>
               <a:ext uri="{FF2B5EF4-FFF2-40B4-BE49-F238E27FC236}">
-                <a16:creationId xmlns:a16="http://schemas.microsoft.com/office/drawing/2014/main" id="{CB466618-2047-41BB-9E06-9DF607FD7A89}"/>
+                <a16:creationId xmlns:a16="http://schemas.microsoft.com/office/drawing/2014/main" xmlns="" id="{CB466618-2047-41BB-9E06-9DF607FD7A89}"/>
               </a:ext>
             </a:extLst>
           </p:cNvPr>
@@ -1610,7 +1610,7 @@
           <p:cNvPr id="4" name="Content Placeholder 3">
             <a:extLst>
               <a:ext uri="{FF2B5EF4-FFF2-40B4-BE49-F238E27FC236}">
-                <a16:creationId xmlns:a16="http://schemas.microsoft.com/office/drawing/2014/main" id="{99296298-8556-48C5-9ECF-827D2013B578}"/>
+                <a16:creationId xmlns:a16="http://schemas.microsoft.com/office/drawing/2014/main" xmlns="" id="{99296298-8556-48C5-9ECF-827D2013B578}"/>
               </a:ext>
             </a:extLst>
           </p:cNvPr>
@@ -1673,7 +1673,7 @@
           <p:cNvPr id="5" name="Text Placeholder 4">
             <a:extLst>
               <a:ext uri="{FF2B5EF4-FFF2-40B4-BE49-F238E27FC236}">
-                <a16:creationId xmlns:a16="http://schemas.microsoft.com/office/drawing/2014/main" id="{50A2CB77-18A9-4A90-96A1-94C2BDD6E54F}"/>
+                <a16:creationId xmlns:a16="http://schemas.microsoft.com/office/drawing/2014/main" xmlns="" id="{50A2CB77-18A9-4A90-96A1-94C2BDD6E54F}"/>
               </a:ext>
             </a:extLst>
           </p:cNvPr>
@@ -1744,7 +1744,7 @@
           <p:cNvPr id="6" name="Content Placeholder 5">
             <a:extLst>
               <a:ext uri="{FF2B5EF4-FFF2-40B4-BE49-F238E27FC236}">
-                <a16:creationId xmlns:a16="http://schemas.microsoft.com/office/drawing/2014/main" id="{26F176C5-ACDE-457C-9E83-9789AFE9F3F1}"/>
+                <a16:creationId xmlns:a16="http://schemas.microsoft.com/office/drawing/2014/main" xmlns="" id="{26F176C5-ACDE-457C-9E83-9789AFE9F3F1}"/>
               </a:ext>
             </a:extLst>
           </p:cNvPr>
@@ -1807,7 +1807,7 @@
           <p:cNvPr id="7" name="Date Placeholder 6">
             <a:extLst>
               <a:ext uri="{FF2B5EF4-FFF2-40B4-BE49-F238E27FC236}">
-                <a16:creationId xmlns:a16="http://schemas.microsoft.com/office/drawing/2014/main" id="{C7186AF2-EB6E-4E24-A4BA-A6E0BB99A4D5}"/>
+                <a16:creationId xmlns:a16="http://schemas.microsoft.com/office/drawing/2014/main" xmlns="" id="{C7186AF2-EB6E-4E24-A4BA-A6E0BB99A4D5}"/>
               </a:ext>
             </a:extLst>
           </p:cNvPr>
@@ -1825,7 +1825,7 @@
           <a:p>
             <a:fld id="{720CFDBD-53AE-4EA1-8938-454FED6C7AF3}" type="datetimeFigureOut">
               <a:rPr lang="en-IN" smtClean="0"/>
-              <a:t>20-03-2018</a:t>
+              <a:t>21-03-2018</a:t>
             </a:fld>
             <a:endParaRPr lang="en-IN"/>
           </a:p>
@@ -1836,7 +1836,7 @@
           <p:cNvPr id="8" name="Footer Placeholder 7">
             <a:extLst>
               <a:ext uri="{FF2B5EF4-FFF2-40B4-BE49-F238E27FC236}">
-                <a16:creationId xmlns:a16="http://schemas.microsoft.com/office/drawing/2014/main" id="{8013A4E6-902C-432E-B160-67EF89B4E635}"/>
+                <a16:creationId xmlns:a16="http://schemas.microsoft.com/office/drawing/2014/main" xmlns="" id="{8013A4E6-902C-432E-B160-67EF89B4E635}"/>
               </a:ext>
             </a:extLst>
           </p:cNvPr>
@@ -1861,7 +1861,7 @@
           <p:cNvPr id="9" name="Slide Number Placeholder 8">
             <a:extLst>
               <a:ext uri="{FF2B5EF4-FFF2-40B4-BE49-F238E27FC236}">
-                <a16:creationId xmlns:a16="http://schemas.microsoft.com/office/drawing/2014/main" id="{06B75284-5723-4D21-882B-A03A0B77FD06}"/>
+                <a16:creationId xmlns:a16="http://schemas.microsoft.com/office/drawing/2014/main" xmlns="" id="{06B75284-5723-4D21-882B-A03A0B77FD06}"/>
               </a:ext>
             </a:extLst>
           </p:cNvPr>
@@ -1920,7 +1920,7 @@
           <p:cNvPr id="2" name="Title 1">
             <a:extLst>
               <a:ext uri="{FF2B5EF4-FFF2-40B4-BE49-F238E27FC236}">
-                <a16:creationId xmlns:a16="http://schemas.microsoft.com/office/drawing/2014/main" id="{2CD1D895-BBE5-41C3-B0C7-6443CD7932E2}"/>
+                <a16:creationId xmlns:a16="http://schemas.microsoft.com/office/drawing/2014/main" xmlns="" id="{2CD1D895-BBE5-41C3-B0C7-6443CD7932E2}"/>
               </a:ext>
             </a:extLst>
           </p:cNvPr>
@@ -1949,7 +1949,7 @@
           <p:cNvPr id="3" name="Date Placeholder 2">
             <a:extLst>
               <a:ext uri="{FF2B5EF4-FFF2-40B4-BE49-F238E27FC236}">
-                <a16:creationId xmlns:a16="http://schemas.microsoft.com/office/drawing/2014/main" id="{BB393F88-F075-4FDF-AFBF-72B945C7C85E}"/>
+                <a16:creationId xmlns:a16="http://schemas.microsoft.com/office/drawing/2014/main" xmlns="" id="{BB393F88-F075-4FDF-AFBF-72B945C7C85E}"/>
               </a:ext>
             </a:extLst>
           </p:cNvPr>
@@ -1967,7 +1967,7 @@
           <a:p>
             <a:fld id="{720CFDBD-53AE-4EA1-8938-454FED6C7AF3}" type="datetimeFigureOut">
               <a:rPr lang="en-IN" smtClean="0"/>
-              <a:t>20-03-2018</a:t>
+              <a:t>21-03-2018</a:t>
             </a:fld>
             <a:endParaRPr lang="en-IN"/>
           </a:p>
@@ -1978,7 +1978,7 @@
           <p:cNvPr id="4" name="Footer Placeholder 3">
             <a:extLst>
               <a:ext uri="{FF2B5EF4-FFF2-40B4-BE49-F238E27FC236}">
-                <a16:creationId xmlns:a16="http://schemas.microsoft.com/office/drawing/2014/main" id="{21E0D060-6B0B-4C04-A205-B499703D06FE}"/>
+                <a16:creationId xmlns:a16="http://schemas.microsoft.com/office/drawing/2014/main" xmlns="" id="{21E0D060-6B0B-4C04-A205-B499703D06FE}"/>
               </a:ext>
             </a:extLst>
           </p:cNvPr>
@@ -2003,7 +2003,7 @@
           <p:cNvPr id="5" name="Slide Number Placeholder 4">
             <a:extLst>
               <a:ext uri="{FF2B5EF4-FFF2-40B4-BE49-F238E27FC236}">
-                <a16:creationId xmlns:a16="http://schemas.microsoft.com/office/drawing/2014/main" id="{FD6741EE-F135-4018-846D-1B9D58D6B5B3}"/>
+                <a16:creationId xmlns:a16="http://schemas.microsoft.com/office/drawing/2014/main" xmlns="" id="{FD6741EE-F135-4018-846D-1B9D58D6B5B3}"/>
               </a:ext>
             </a:extLst>
           </p:cNvPr>
@@ -2062,7 +2062,7 @@
           <p:cNvPr id="2" name="Date Placeholder 1">
             <a:extLst>
               <a:ext uri="{FF2B5EF4-FFF2-40B4-BE49-F238E27FC236}">
-                <a16:creationId xmlns:a16="http://schemas.microsoft.com/office/drawing/2014/main" id="{ABFAE360-B77E-44E1-8E32-5EF6CF4D6C94}"/>
+                <a16:creationId xmlns:a16="http://schemas.microsoft.com/office/drawing/2014/main" xmlns="" id="{ABFAE360-B77E-44E1-8E32-5EF6CF4D6C94}"/>
               </a:ext>
             </a:extLst>
           </p:cNvPr>
@@ -2080,7 +2080,7 @@
           <a:p>
             <a:fld id="{720CFDBD-53AE-4EA1-8938-454FED6C7AF3}" type="datetimeFigureOut">
               <a:rPr lang="en-IN" smtClean="0"/>
-              <a:t>20-03-2018</a:t>
+              <a:t>21-03-2018</a:t>
             </a:fld>
             <a:endParaRPr lang="en-IN"/>
           </a:p>
@@ -2091,7 +2091,7 @@
           <p:cNvPr id="3" name="Footer Placeholder 2">
             <a:extLst>
               <a:ext uri="{FF2B5EF4-FFF2-40B4-BE49-F238E27FC236}">
-                <a16:creationId xmlns:a16="http://schemas.microsoft.com/office/drawing/2014/main" id="{DCC166C4-DECE-4DDA-A957-6699572A9A51}"/>
+                <a16:creationId xmlns:a16="http://schemas.microsoft.com/office/drawing/2014/main" xmlns="" id="{DCC166C4-DECE-4DDA-A957-6699572A9A51}"/>
               </a:ext>
             </a:extLst>
           </p:cNvPr>
@@ -2116,7 +2116,7 @@
           <p:cNvPr id="4" name="Slide Number Placeholder 3">
             <a:extLst>
               <a:ext uri="{FF2B5EF4-FFF2-40B4-BE49-F238E27FC236}">
-                <a16:creationId xmlns:a16="http://schemas.microsoft.com/office/drawing/2014/main" id="{F4BC24B5-DCB7-43C8-BC6F-87C06AD9BCFD}"/>
+                <a16:creationId xmlns:a16="http://schemas.microsoft.com/office/drawing/2014/main" xmlns="" id="{F4BC24B5-DCB7-43C8-BC6F-87C06AD9BCFD}"/>
               </a:ext>
             </a:extLst>
           </p:cNvPr>
@@ -2175,7 +2175,7 @@
           <p:cNvPr id="2" name="Title 1">
             <a:extLst>
               <a:ext uri="{FF2B5EF4-FFF2-40B4-BE49-F238E27FC236}">
-                <a16:creationId xmlns:a16="http://schemas.microsoft.com/office/drawing/2014/main" id="{0CA889DF-A88D-4964-A4DE-435498AEAEF8}"/>
+                <a16:creationId xmlns:a16="http://schemas.microsoft.com/office/drawing/2014/main" xmlns="" id="{0CA889DF-A88D-4964-A4DE-435498AEAEF8}"/>
               </a:ext>
             </a:extLst>
           </p:cNvPr>
@@ -2213,7 +2213,7 @@
           <p:cNvPr id="3" name="Content Placeholder 2">
             <a:extLst>
               <a:ext uri="{FF2B5EF4-FFF2-40B4-BE49-F238E27FC236}">
-                <a16:creationId xmlns:a16="http://schemas.microsoft.com/office/drawing/2014/main" id="{21F4F465-C09E-4963-A90D-FADE6BE00687}"/>
+                <a16:creationId xmlns:a16="http://schemas.microsoft.com/office/drawing/2014/main" xmlns="" id="{21F4F465-C09E-4963-A90D-FADE6BE00687}"/>
               </a:ext>
             </a:extLst>
           </p:cNvPr>
@@ -2304,7 +2304,7 @@
           <p:cNvPr id="4" name="Text Placeholder 3">
             <a:extLst>
               <a:ext uri="{FF2B5EF4-FFF2-40B4-BE49-F238E27FC236}">
-                <a16:creationId xmlns:a16="http://schemas.microsoft.com/office/drawing/2014/main" id="{43A32CA4-B5E7-456D-B185-5E8476782704}"/>
+                <a16:creationId xmlns:a16="http://schemas.microsoft.com/office/drawing/2014/main" xmlns="" id="{43A32CA4-B5E7-456D-B185-5E8476782704}"/>
               </a:ext>
             </a:extLst>
           </p:cNvPr>
@@ -2375,7 +2375,7 @@
           <p:cNvPr id="5" name="Date Placeholder 4">
             <a:extLst>
               <a:ext uri="{FF2B5EF4-FFF2-40B4-BE49-F238E27FC236}">
-                <a16:creationId xmlns:a16="http://schemas.microsoft.com/office/drawing/2014/main" id="{8907C941-5560-4D39-AAEB-14D48119A1DA}"/>
+                <a16:creationId xmlns:a16="http://schemas.microsoft.com/office/drawing/2014/main" xmlns="" id="{8907C941-5560-4D39-AAEB-14D48119A1DA}"/>
               </a:ext>
             </a:extLst>
           </p:cNvPr>
@@ -2393,7 +2393,7 @@
           <a:p>
             <a:fld id="{720CFDBD-53AE-4EA1-8938-454FED6C7AF3}" type="datetimeFigureOut">
               <a:rPr lang="en-IN" smtClean="0"/>
-              <a:t>20-03-2018</a:t>
+              <a:t>21-03-2018</a:t>
             </a:fld>
             <a:endParaRPr lang="en-IN"/>
           </a:p>
@@ -2404,7 +2404,7 @@
           <p:cNvPr id="6" name="Footer Placeholder 5">
             <a:extLst>
               <a:ext uri="{FF2B5EF4-FFF2-40B4-BE49-F238E27FC236}">
-                <a16:creationId xmlns:a16="http://schemas.microsoft.com/office/drawing/2014/main" id="{6E565F4F-F083-439E-BD3E-D073E75058E1}"/>
+                <a16:creationId xmlns:a16="http://schemas.microsoft.com/office/drawing/2014/main" xmlns="" id="{6E565F4F-F083-439E-BD3E-D073E75058E1}"/>
               </a:ext>
             </a:extLst>
           </p:cNvPr>
@@ -2429,7 +2429,7 @@
           <p:cNvPr id="7" name="Slide Number Placeholder 6">
             <a:extLst>
               <a:ext uri="{FF2B5EF4-FFF2-40B4-BE49-F238E27FC236}">
-                <a16:creationId xmlns:a16="http://schemas.microsoft.com/office/drawing/2014/main" id="{C1B7E12D-3079-40E5-8821-5961B3F2A730}"/>
+                <a16:creationId xmlns:a16="http://schemas.microsoft.com/office/drawing/2014/main" xmlns="" id="{C1B7E12D-3079-40E5-8821-5961B3F2A730}"/>
               </a:ext>
             </a:extLst>
           </p:cNvPr>
@@ -2488,7 +2488,7 @@
           <p:cNvPr id="2" name="Title 1">
             <a:extLst>
               <a:ext uri="{FF2B5EF4-FFF2-40B4-BE49-F238E27FC236}">
-                <a16:creationId xmlns:a16="http://schemas.microsoft.com/office/drawing/2014/main" id="{3812D897-E5A2-4815-9CE4-95EAA4CF5832}"/>
+                <a16:creationId xmlns:a16="http://schemas.microsoft.com/office/drawing/2014/main" xmlns="" id="{3812D897-E5A2-4815-9CE4-95EAA4CF5832}"/>
               </a:ext>
             </a:extLst>
           </p:cNvPr>
@@ -2526,7 +2526,7 @@
           <p:cNvPr id="3" name="Picture Placeholder 2">
             <a:extLst>
               <a:ext uri="{FF2B5EF4-FFF2-40B4-BE49-F238E27FC236}">
-                <a16:creationId xmlns:a16="http://schemas.microsoft.com/office/drawing/2014/main" id="{0FD12C17-5AC0-4357-BC2F-C753E25D9169}"/>
+                <a16:creationId xmlns:a16="http://schemas.microsoft.com/office/drawing/2014/main" xmlns="" id="{0FD12C17-5AC0-4357-BC2F-C753E25D9169}"/>
               </a:ext>
             </a:extLst>
           </p:cNvPr>
@@ -2593,7 +2593,7 @@
           <p:cNvPr id="4" name="Text Placeholder 3">
             <a:extLst>
               <a:ext uri="{FF2B5EF4-FFF2-40B4-BE49-F238E27FC236}">
-                <a16:creationId xmlns:a16="http://schemas.microsoft.com/office/drawing/2014/main" id="{6D871447-FE2A-4D1C-806E-C87354442DF6}"/>
+                <a16:creationId xmlns:a16="http://schemas.microsoft.com/office/drawing/2014/main" xmlns="" id="{6D871447-FE2A-4D1C-806E-C87354442DF6}"/>
               </a:ext>
             </a:extLst>
           </p:cNvPr>
@@ -2664,7 +2664,7 @@
           <p:cNvPr id="5" name="Date Placeholder 4">
             <a:extLst>
               <a:ext uri="{FF2B5EF4-FFF2-40B4-BE49-F238E27FC236}">
-                <a16:creationId xmlns:a16="http://schemas.microsoft.com/office/drawing/2014/main" id="{9D2EF323-49CF-46E5-992D-5321C8ECD412}"/>
+                <a16:creationId xmlns:a16="http://schemas.microsoft.com/office/drawing/2014/main" xmlns="" id="{9D2EF323-49CF-46E5-992D-5321C8ECD412}"/>
               </a:ext>
             </a:extLst>
           </p:cNvPr>
@@ -2682,7 +2682,7 @@
           <a:p>
             <a:fld id="{720CFDBD-53AE-4EA1-8938-454FED6C7AF3}" type="datetimeFigureOut">
               <a:rPr lang="en-IN" smtClean="0"/>
-              <a:t>20-03-2018</a:t>
+              <a:t>21-03-2018</a:t>
             </a:fld>
             <a:endParaRPr lang="en-IN"/>
           </a:p>
@@ -2693,7 +2693,7 @@
           <p:cNvPr id="6" name="Footer Placeholder 5">
             <a:extLst>
               <a:ext uri="{FF2B5EF4-FFF2-40B4-BE49-F238E27FC236}">
-                <a16:creationId xmlns:a16="http://schemas.microsoft.com/office/drawing/2014/main" id="{B59A8B44-534B-4C2A-AF82-08EEDA6A9E6F}"/>
+                <a16:creationId xmlns:a16="http://schemas.microsoft.com/office/drawing/2014/main" xmlns="" id="{B59A8B44-534B-4C2A-AF82-08EEDA6A9E6F}"/>
               </a:ext>
             </a:extLst>
           </p:cNvPr>
@@ -2718,7 +2718,7 @@
           <p:cNvPr id="7" name="Slide Number Placeholder 6">
             <a:extLst>
               <a:ext uri="{FF2B5EF4-FFF2-40B4-BE49-F238E27FC236}">
-                <a16:creationId xmlns:a16="http://schemas.microsoft.com/office/drawing/2014/main" id="{F170C36E-06BE-4D59-A16E-BB333626B97D}"/>
+                <a16:creationId xmlns:a16="http://schemas.microsoft.com/office/drawing/2014/main" xmlns="" id="{F170C36E-06BE-4D59-A16E-BB333626B97D}"/>
               </a:ext>
             </a:extLst>
           </p:cNvPr>
@@ -2782,7 +2782,7 @@
           <p:cNvPr id="2" name="Title Placeholder 1">
             <a:extLst>
               <a:ext uri="{FF2B5EF4-FFF2-40B4-BE49-F238E27FC236}">
-                <a16:creationId xmlns:a16="http://schemas.microsoft.com/office/drawing/2014/main" id="{23D36D43-4887-42CE-A863-9A1EB714820D}"/>
+                <a16:creationId xmlns:a16="http://schemas.microsoft.com/office/drawing/2014/main" xmlns="" id="{23D36D43-4887-42CE-A863-9A1EB714820D}"/>
               </a:ext>
             </a:extLst>
           </p:cNvPr>
@@ -2821,7 +2821,7 @@
           <p:cNvPr id="3" name="Text Placeholder 2">
             <a:extLst>
               <a:ext uri="{FF2B5EF4-FFF2-40B4-BE49-F238E27FC236}">
-                <a16:creationId xmlns:a16="http://schemas.microsoft.com/office/drawing/2014/main" id="{5F3EA888-B321-4D31-AA46-095C3A6A1391}"/>
+                <a16:creationId xmlns:a16="http://schemas.microsoft.com/office/drawing/2014/main" xmlns="" id="{5F3EA888-B321-4D31-AA46-095C3A6A1391}"/>
               </a:ext>
             </a:extLst>
           </p:cNvPr>
@@ -2889,7 +2889,7 @@
           <p:cNvPr id="4" name="Date Placeholder 3">
             <a:extLst>
               <a:ext uri="{FF2B5EF4-FFF2-40B4-BE49-F238E27FC236}">
-                <a16:creationId xmlns:a16="http://schemas.microsoft.com/office/drawing/2014/main" id="{47E65609-EE76-4660-92DA-06A3B55B9A8C}"/>
+                <a16:creationId xmlns:a16="http://schemas.microsoft.com/office/drawing/2014/main" xmlns="" id="{47E65609-EE76-4660-92DA-06A3B55B9A8C}"/>
               </a:ext>
             </a:extLst>
           </p:cNvPr>
@@ -2925,7 +2925,7 @@
           <a:p>
             <a:fld id="{720CFDBD-53AE-4EA1-8938-454FED6C7AF3}" type="datetimeFigureOut">
               <a:rPr lang="en-IN" smtClean="0"/>
-              <a:t>20-03-2018</a:t>
+              <a:t>21-03-2018</a:t>
             </a:fld>
             <a:endParaRPr lang="en-IN"/>
           </a:p>
@@ -2936,7 +2936,7 @@
           <p:cNvPr id="5" name="Footer Placeholder 4">
             <a:extLst>
               <a:ext uri="{FF2B5EF4-FFF2-40B4-BE49-F238E27FC236}">
-                <a16:creationId xmlns:a16="http://schemas.microsoft.com/office/drawing/2014/main" id="{92BC8B02-44CC-4D0D-876F-875A3FA77CC0}"/>
+                <a16:creationId xmlns:a16="http://schemas.microsoft.com/office/drawing/2014/main" xmlns="" id="{92BC8B02-44CC-4D0D-876F-875A3FA77CC0}"/>
               </a:ext>
             </a:extLst>
           </p:cNvPr>
@@ -2979,7 +2979,7 @@
           <p:cNvPr id="6" name="Slide Number Placeholder 5">
             <a:extLst>
               <a:ext uri="{FF2B5EF4-FFF2-40B4-BE49-F238E27FC236}">
-                <a16:creationId xmlns:a16="http://schemas.microsoft.com/office/drawing/2014/main" id="{AB118683-211F-4CF8-8190-687B1D13D0CD}"/>
+                <a16:creationId xmlns:a16="http://schemas.microsoft.com/office/drawing/2014/main" xmlns="" id="{AB118683-211F-4CF8-8190-687B1D13D0CD}"/>
               </a:ext>
             </a:extLst>
           </p:cNvPr>
@@ -3347,7 +3347,7 @@
           <p:cNvPr id="4" name="Rectangle 65">
             <a:extLst>
               <a:ext uri="{FF2B5EF4-FFF2-40B4-BE49-F238E27FC236}">
-                <a16:creationId xmlns:a16="http://schemas.microsoft.com/office/drawing/2014/main" id="{0F603488-53D3-49F3-A8D7-7E91BFEE7C3E}"/>
+                <a16:creationId xmlns:a16="http://schemas.microsoft.com/office/drawing/2014/main" xmlns="" id="{0F603488-53D3-49F3-A8D7-7E91BFEE7C3E}"/>
               </a:ext>
             </a:extLst>
           </p:cNvPr>
@@ -3414,7 +3414,7 @@
           <p:cNvPr id="5" name="Rectangle 62">
             <a:extLst>
               <a:ext uri="{FF2B5EF4-FFF2-40B4-BE49-F238E27FC236}">
-                <a16:creationId xmlns:a16="http://schemas.microsoft.com/office/drawing/2014/main" id="{0757887C-B625-4BB9-9C47-57B3C9108315}"/>
+                <a16:creationId xmlns:a16="http://schemas.microsoft.com/office/drawing/2014/main" xmlns="" id="{0757887C-B625-4BB9-9C47-57B3C9108315}"/>
               </a:ext>
             </a:extLst>
           </p:cNvPr>
@@ -3487,7 +3487,7 @@
           <p:cNvPr id="6" name="Straight Connector 5">
             <a:extLst>
               <a:ext uri="{FF2B5EF4-FFF2-40B4-BE49-F238E27FC236}">
-                <a16:creationId xmlns:a16="http://schemas.microsoft.com/office/drawing/2014/main" id="{7CC75921-7C41-4950-B190-A4129D121574}"/>
+                <a16:creationId xmlns:a16="http://schemas.microsoft.com/office/drawing/2014/main" xmlns="" id="{7CC75921-7C41-4950-B190-A4129D121574}"/>
               </a:ext>
             </a:extLst>
           </p:cNvPr>
@@ -3530,7 +3530,7 @@
           <p:cNvPr id="7" name="Rectangle 6">
             <a:extLst>
               <a:ext uri="{FF2B5EF4-FFF2-40B4-BE49-F238E27FC236}">
-                <a16:creationId xmlns:a16="http://schemas.microsoft.com/office/drawing/2014/main" id="{13FA6ED7-494F-408A-AA82-A80BF8749176}"/>
+                <a16:creationId xmlns:a16="http://schemas.microsoft.com/office/drawing/2014/main" xmlns="" id="{13FA6ED7-494F-408A-AA82-A80BF8749176}"/>
               </a:ext>
             </a:extLst>
           </p:cNvPr>
@@ -3583,7 +3583,7 @@
           <p:cNvPr id="8" name="Rectangle 62">
             <a:extLst>
               <a:ext uri="{FF2B5EF4-FFF2-40B4-BE49-F238E27FC236}">
-                <a16:creationId xmlns:a16="http://schemas.microsoft.com/office/drawing/2014/main" id="{3266A4A0-DBDE-4877-99C2-3775D6B83194}"/>
+                <a16:creationId xmlns:a16="http://schemas.microsoft.com/office/drawing/2014/main" xmlns="" id="{3266A4A0-DBDE-4877-99C2-3775D6B83194}"/>
               </a:ext>
             </a:extLst>
           </p:cNvPr>
@@ -3659,7 +3659,7 @@
           <p:cNvPr id="9" name="Straight Connector 8">
             <a:extLst>
               <a:ext uri="{FF2B5EF4-FFF2-40B4-BE49-F238E27FC236}">
-                <a16:creationId xmlns:a16="http://schemas.microsoft.com/office/drawing/2014/main" id="{B5524E63-D69C-40D7-A0AF-4985DD3BEEF4}"/>
+                <a16:creationId xmlns:a16="http://schemas.microsoft.com/office/drawing/2014/main" xmlns="" id="{B5524E63-D69C-40D7-A0AF-4985DD3BEEF4}"/>
               </a:ext>
             </a:extLst>
           </p:cNvPr>
@@ -3702,7 +3702,7 @@
           <p:cNvPr id="10" name="Rectangle 9">
             <a:extLst>
               <a:ext uri="{FF2B5EF4-FFF2-40B4-BE49-F238E27FC236}">
-                <a16:creationId xmlns:a16="http://schemas.microsoft.com/office/drawing/2014/main" id="{A917597D-3DED-444E-A63F-6B6FD83E4D12}"/>
+                <a16:creationId xmlns:a16="http://schemas.microsoft.com/office/drawing/2014/main" xmlns="" id="{A917597D-3DED-444E-A63F-6B6FD83E4D12}"/>
               </a:ext>
             </a:extLst>
           </p:cNvPr>
@@ -3759,7 +3759,7 @@
           <p:cNvPr id="11" name="Rectangle 62">
             <a:extLst>
               <a:ext uri="{FF2B5EF4-FFF2-40B4-BE49-F238E27FC236}">
-                <a16:creationId xmlns:a16="http://schemas.microsoft.com/office/drawing/2014/main" id="{A2355903-8572-4153-B06D-65F62EB8681A}"/>
+                <a16:creationId xmlns:a16="http://schemas.microsoft.com/office/drawing/2014/main" xmlns="" id="{A2355903-8572-4153-B06D-65F62EB8681A}"/>
               </a:ext>
             </a:extLst>
           </p:cNvPr>
@@ -3839,7 +3839,7 @@
           <p:cNvPr id="12" name="Straight Connector 11">
             <a:extLst>
               <a:ext uri="{FF2B5EF4-FFF2-40B4-BE49-F238E27FC236}">
-                <a16:creationId xmlns:a16="http://schemas.microsoft.com/office/drawing/2014/main" id="{E6FE90BB-F1DA-4E4E-A2E3-1C0FE1FECD5B}"/>
+                <a16:creationId xmlns:a16="http://schemas.microsoft.com/office/drawing/2014/main" xmlns="" id="{E6FE90BB-F1DA-4E4E-A2E3-1C0FE1FECD5B}"/>
               </a:ext>
             </a:extLst>
           </p:cNvPr>
@@ -3884,7 +3884,7 @@
           <p:cNvPr id="13" name="Rectangle 12">
             <a:extLst>
               <a:ext uri="{FF2B5EF4-FFF2-40B4-BE49-F238E27FC236}">
-                <a16:creationId xmlns:a16="http://schemas.microsoft.com/office/drawing/2014/main" id="{88C72234-C37D-4AEE-AFAA-0265D865B702}"/>
+                <a16:creationId xmlns:a16="http://schemas.microsoft.com/office/drawing/2014/main" xmlns="" id="{88C72234-C37D-4AEE-AFAA-0265D865B702}"/>
               </a:ext>
             </a:extLst>
           </p:cNvPr>
@@ -3937,7 +3937,7 @@
           <p:cNvPr id="14" name="Straight Arrow Connector 13">
             <a:extLst>
               <a:ext uri="{FF2B5EF4-FFF2-40B4-BE49-F238E27FC236}">
-                <a16:creationId xmlns:a16="http://schemas.microsoft.com/office/drawing/2014/main" id="{50813D33-3F77-4ACB-B854-AC26AC5923B7}"/>
+                <a16:creationId xmlns:a16="http://schemas.microsoft.com/office/drawing/2014/main" xmlns="" id="{50813D33-3F77-4ACB-B854-AC26AC5923B7}"/>
               </a:ext>
             </a:extLst>
           </p:cNvPr>
@@ -3979,7 +3979,7 @@
           <p:cNvPr id="15" name="Straight Arrow Connector 14">
             <a:extLst>
               <a:ext uri="{FF2B5EF4-FFF2-40B4-BE49-F238E27FC236}">
-                <a16:creationId xmlns:a16="http://schemas.microsoft.com/office/drawing/2014/main" id="{3888332D-E1F8-427F-8FF4-6AEBB3BDFAFD}"/>
+                <a16:creationId xmlns:a16="http://schemas.microsoft.com/office/drawing/2014/main" xmlns="" id="{3888332D-E1F8-427F-8FF4-6AEBB3BDFAFD}"/>
               </a:ext>
             </a:extLst>
           </p:cNvPr>
@@ -4021,7 +4021,7 @@
           <p:cNvPr id="16" name="TextBox 15">
             <a:extLst>
               <a:ext uri="{FF2B5EF4-FFF2-40B4-BE49-F238E27FC236}">
-                <a16:creationId xmlns:a16="http://schemas.microsoft.com/office/drawing/2014/main" id="{560FE7CD-A11D-4FBB-8813-5ED9A4F14A0A}"/>
+                <a16:creationId xmlns:a16="http://schemas.microsoft.com/office/drawing/2014/main" xmlns="" id="{560FE7CD-A11D-4FBB-8813-5ED9A4F14A0A}"/>
               </a:ext>
             </a:extLst>
           </p:cNvPr>
@@ -4088,7 +4088,7 @@
           <p:cNvPr id="17" name="Straight Arrow Connector 16">
             <a:extLst>
               <a:ext uri="{FF2B5EF4-FFF2-40B4-BE49-F238E27FC236}">
-                <a16:creationId xmlns:a16="http://schemas.microsoft.com/office/drawing/2014/main" id="{A55C80A7-E97E-4FF9-9A8B-C4973B440389}"/>
+                <a16:creationId xmlns:a16="http://schemas.microsoft.com/office/drawing/2014/main" xmlns="" id="{A55C80A7-E97E-4FF9-9A8B-C4973B440389}"/>
               </a:ext>
             </a:extLst>
           </p:cNvPr>
@@ -4130,7 +4130,7 @@
           <p:cNvPr id="18" name="TextBox 17">
             <a:extLst>
               <a:ext uri="{FF2B5EF4-FFF2-40B4-BE49-F238E27FC236}">
-                <a16:creationId xmlns:a16="http://schemas.microsoft.com/office/drawing/2014/main" id="{F8FA81BE-6DEB-46AB-91A6-45296FBDACF6}"/>
+                <a16:creationId xmlns:a16="http://schemas.microsoft.com/office/drawing/2014/main" xmlns="" id="{F8FA81BE-6DEB-46AB-91A6-45296FBDACF6}"/>
               </a:ext>
             </a:extLst>
           </p:cNvPr>
@@ -4176,7 +4176,7 @@
           <p:cNvPr id="19" name="Straight Arrow Connector 18">
             <a:extLst>
               <a:ext uri="{FF2B5EF4-FFF2-40B4-BE49-F238E27FC236}">
-                <a16:creationId xmlns:a16="http://schemas.microsoft.com/office/drawing/2014/main" id="{0158FB7F-D873-47F3-9CD2-A9E14DB77D5A}"/>
+                <a16:creationId xmlns:a16="http://schemas.microsoft.com/office/drawing/2014/main" xmlns="" id="{0158FB7F-D873-47F3-9CD2-A9E14DB77D5A}"/>
               </a:ext>
             </a:extLst>
           </p:cNvPr>
@@ -4220,7 +4220,7 @@
           <p:cNvPr id="20" name="Straight Arrow Connector 19">
             <a:extLst>
               <a:ext uri="{FF2B5EF4-FFF2-40B4-BE49-F238E27FC236}">
-                <a16:creationId xmlns:a16="http://schemas.microsoft.com/office/drawing/2014/main" id="{DC634B74-1CFC-4B59-8E16-D49F50F9B9FF}"/>
+                <a16:creationId xmlns:a16="http://schemas.microsoft.com/office/drawing/2014/main" xmlns="" id="{DC634B74-1CFC-4B59-8E16-D49F50F9B9FF}"/>
               </a:ext>
             </a:extLst>
           </p:cNvPr>
@@ -4264,7 +4264,7 @@
           <p:cNvPr id="21" name="Straight Arrow Connector 20">
             <a:extLst>
               <a:ext uri="{FF2B5EF4-FFF2-40B4-BE49-F238E27FC236}">
-                <a16:creationId xmlns:a16="http://schemas.microsoft.com/office/drawing/2014/main" id="{C938EF06-A9AC-413D-8A56-43FDD533038C}"/>
+                <a16:creationId xmlns:a16="http://schemas.microsoft.com/office/drawing/2014/main" xmlns="" id="{C938EF06-A9AC-413D-8A56-43FDD533038C}"/>
               </a:ext>
             </a:extLst>
           </p:cNvPr>
@@ -4308,7 +4308,7 @@
           <p:cNvPr id="22" name="Rectangle 62">
             <a:extLst>
               <a:ext uri="{FF2B5EF4-FFF2-40B4-BE49-F238E27FC236}">
-                <a16:creationId xmlns:a16="http://schemas.microsoft.com/office/drawing/2014/main" id="{2B969DB7-867F-4449-968B-64FA4978AD8E}"/>
+                <a16:creationId xmlns:a16="http://schemas.microsoft.com/office/drawing/2014/main" xmlns="" id="{2B969DB7-867F-4449-968B-64FA4978AD8E}"/>
               </a:ext>
             </a:extLst>
           </p:cNvPr>
@@ -4373,7 +4373,7 @@
           <p:cNvPr id="23" name="Straight Arrow Connector 22">
             <a:extLst>
               <a:ext uri="{FF2B5EF4-FFF2-40B4-BE49-F238E27FC236}">
-                <a16:creationId xmlns:a16="http://schemas.microsoft.com/office/drawing/2014/main" id="{8D642D86-2207-4BF2-B6C1-EE70BE597AB7}"/>
+                <a16:creationId xmlns:a16="http://schemas.microsoft.com/office/drawing/2014/main" xmlns="" id="{8D642D86-2207-4BF2-B6C1-EE70BE597AB7}"/>
               </a:ext>
             </a:extLst>
           </p:cNvPr>
@@ -4415,7 +4415,7 @@
           <p:cNvPr id="24" name="Rectangle 23">
             <a:extLst>
               <a:ext uri="{FF2B5EF4-FFF2-40B4-BE49-F238E27FC236}">
-                <a16:creationId xmlns:a16="http://schemas.microsoft.com/office/drawing/2014/main" id="{8E1640B1-9FFA-41F9-8F71-552AC0C347A2}"/>
+                <a16:creationId xmlns:a16="http://schemas.microsoft.com/office/drawing/2014/main" xmlns="" id="{8E1640B1-9FFA-41F9-8F71-552AC0C347A2}"/>
               </a:ext>
             </a:extLst>
           </p:cNvPr>
@@ -4468,7 +4468,7 @@
           <p:cNvPr id="25" name="Straight Connector 24">
             <a:extLst>
               <a:ext uri="{FF2B5EF4-FFF2-40B4-BE49-F238E27FC236}">
-                <a16:creationId xmlns:a16="http://schemas.microsoft.com/office/drawing/2014/main" id="{D71F9073-934B-46A1-A183-FB79949D93DE}"/>
+                <a16:creationId xmlns:a16="http://schemas.microsoft.com/office/drawing/2014/main" xmlns="" id="{D71F9073-934B-46A1-A183-FB79949D93DE}"/>
               </a:ext>
             </a:extLst>
           </p:cNvPr>
@@ -4511,7 +4511,7 @@
           <p:cNvPr id="26" name="Rectangle 25">
             <a:extLst>
               <a:ext uri="{FF2B5EF4-FFF2-40B4-BE49-F238E27FC236}">
-                <a16:creationId xmlns:a16="http://schemas.microsoft.com/office/drawing/2014/main" id="{6DF2732F-E1E0-48B2-B9F7-D9EF96A97600}"/>
+                <a16:creationId xmlns:a16="http://schemas.microsoft.com/office/drawing/2014/main" xmlns="" id="{6DF2732F-E1E0-48B2-B9F7-D9EF96A97600}"/>
               </a:ext>
             </a:extLst>
           </p:cNvPr>
@@ -4520,7 +4520,7 @@
         </p:nvSpPr>
         <p:spPr>
           <a:xfrm>
-            <a:off x="8686800" y="4524597"/>
+            <a:off x="8704948" y="4467000"/>
             <a:ext cx="152400" cy="199803"/>
           </a:xfrm>
           <a:prstGeom prst="rect">
@@ -4568,7 +4568,7 @@
           <p:cNvPr id="27" name="Straight Arrow Connector 26">
             <a:extLst>
               <a:ext uri="{FF2B5EF4-FFF2-40B4-BE49-F238E27FC236}">
-                <a16:creationId xmlns:a16="http://schemas.microsoft.com/office/drawing/2014/main" id="{8ADD8D5D-28CD-413E-B204-1399DA840115}"/>
+                <a16:creationId xmlns:a16="http://schemas.microsoft.com/office/drawing/2014/main" xmlns="" id="{8ADD8D5D-28CD-413E-B204-1399DA840115}"/>
               </a:ext>
             </a:extLst>
           </p:cNvPr>
@@ -4577,7 +4577,7 @@
         </p:nvCxnSpPr>
         <p:spPr>
           <a:xfrm>
-            <a:off x="6850663" y="4524597"/>
+            <a:off x="6850663" y="4515971"/>
             <a:ext cx="1836137" cy="0"/>
           </a:xfrm>
           <a:prstGeom prst="straightConnector1">
@@ -4610,7 +4610,7 @@
           <p:cNvPr id="28" name="Straight Arrow Connector 27">
             <a:extLst>
               <a:ext uri="{FF2B5EF4-FFF2-40B4-BE49-F238E27FC236}">
-                <a16:creationId xmlns:a16="http://schemas.microsoft.com/office/drawing/2014/main" id="{A07F0278-A29F-4390-B23C-B40C6CE0E5F4}"/>
+                <a16:creationId xmlns:a16="http://schemas.microsoft.com/office/drawing/2014/main" xmlns="" id="{A07F0278-A29F-4390-B23C-B40C6CE0E5F4}"/>
               </a:ext>
             </a:extLst>
           </p:cNvPr>
@@ -4619,7 +4619,7 @@
         </p:nvCxnSpPr>
         <p:spPr>
           <a:xfrm flipV="1">
-            <a:off x="6848774" y="4714650"/>
+            <a:off x="6848774" y="4593886"/>
             <a:ext cx="1838026" cy="9750"/>
           </a:xfrm>
           <a:prstGeom prst="straightConnector1">
@@ -4654,7 +4654,7 @@
           <p:cNvPr id="29" name="Straight Arrow Connector 28">
             <a:extLst>
               <a:ext uri="{FF2B5EF4-FFF2-40B4-BE49-F238E27FC236}">
-                <a16:creationId xmlns:a16="http://schemas.microsoft.com/office/drawing/2014/main" id="{07E9C2E9-A794-496E-AC2C-539B4B956EFA}"/>
+                <a16:creationId xmlns:a16="http://schemas.microsoft.com/office/drawing/2014/main" xmlns="" id="{07E9C2E9-A794-496E-AC2C-539B4B956EFA}"/>
               </a:ext>
             </a:extLst>
           </p:cNvPr>
@@ -4698,7 +4698,7 @@
           <p:cNvPr id="30" name="TextBox 29">
             <a:extLst>
               <a:ext uri="{FF2B5EF4-FFF2-40B4-BE49-F238E27FC236}">
-                <a16:creationId xmlns:a16="http://schemas.microsoft.com/office/drawing/2014/main" id="{53F25359-4DB3-48DB-A678-8519E5CCB3A5}"/>
+                <a16:creationId xmlns:a16="http://schemas.microsoft.com/office/drawing/2014/main" xmlns="" id="{53F25359-4DB3-48DB-A678-8519E5CCB3A5}"/>
               </a:ext>
             </a:extLst>
           </p:cNvPr>
@@ -4707,8 +4707,8 @@
         </p:nvSpPr>
         <p:spPr>
           <a:xfrm>
-            <a:off x="6984957" y="4267200"/>
-            <a:ext cx="1424846" cy="215444"/>
+            <a:off x="7079843" y="4336208"/>
+            <a:ext cx="1424846" cy="161583"/>
           </a:xfrm>
           <a:prstGeom prst="rect">
             <a:avLst/>
@@ -4733,21 +4733,26 @@
           </a:lstStyle>
           <a:p>
             <a:r>
-              <a:rPr lang="en-US">
+              <a:rPr lang="en-US" sz="1050" dirty="0" err="1" smtClean="0">
                 <a:solidFill>
                   <a:srgbClr val="7030A0"/>
                 </a:solidFill>
               </a:rPr>
-              <a:t>deleteMember(p</a:t>
-            </a:r>
-            <a:r>
-              <a:rPr lang="en-US" dirty="0">
+              <a:t>generateEmailRecipients</a:t>
+            </a:r>
+            <a:r>
+              <a:rPr lang="en-US" sz="1050" dirty="0" smtClean="0">
                 <a:solidFill>
                   <a:srgbClr val="7030A0"/>
                 </a:solidFill>
               </a:rPr>
-              <a:t>)</a:t>
-            </a:r>
+              <a:t>()</a:t>
+            </a:r>
+            <a:endParaRPr lang="en-US" sz="1050" dirty="0">
+              <a:solidFill>
+                <a:srgbClr val="7030A0"/>
+              </a:solidFill>
+            </a:endParaRPr>
           </a:p>
         </p:txBody>
       </p:sp>
@@ -4756,7 +4761,7 @@
           <p:cNvPr id="32" name="TextBox 31">
             <a:extLst>
               <a:ext uri="{FF2B5EF4-FFF2-40B4-BE49-F238E27FC236}">
-                <a16:creationId xmlns:a16="http://schemas.microsoft.com/office/drawing/2014/main" id="{5A654CA9-5311-4629-A054-3F0D22AA800E}"/>
+                <a16:creationId xmlns:a16="http://schemas.microsoft.com/office/drawing/2014/main" xmlns="" id="{5A654CA9-5311-4629-A054-3F0D22AA800E}"/>
               </a:ext>
             </a:extLst>
           </p:cNvPr>
@@ -4814,7 +4819,7 @@
           <p:cNvPr id="33" name="TextBox 32">
             <a:extLst>
               <a:ext uri="{FF2B5EF4-FFF2-40B4-BE49-F238E27FC236}">
-                <a16:creationId xmlns:a16="http://schemas.microsoft.com/office/drawing/2014/main" id="{A7864BB3-51A6-491C-96FC-10FD79AA0778}"/>
+                <a16:creationId xmlns:a16="http://schemas.microsoft.com/office/drawing/2014/main" xmlns="" id="{A7864BB3-51A6-491C-96FC-10FD79AA0778}"/>
               </a:ext>
             </a:extLst>
           </p:cNvPr>
@@ -4860,7 +4865,7 @@
           <p:cNvPr id="34" name="TextBox 33">
             <a:extLst>
               <a:ext uri="{FF2B5EF4-FFF2-40B4-BE49-F238E27FC236}">
-                <a16:creationId xmlns:a16="http://schemas.microsoft.com/office/drawing/2014/main" id="{A8364B90-0506-4EFB-8297-400D61B69BB5}"/>
+                <a16:creationId xmlns:a16="http://schemas.microsoft.com/office/drawing/2014/main" xmlns="" id="{A8364B90-0506-4EFB-8297-400D61B69BB5}"/>
               </a:ext>
             </a:extLst>
           </p:cNvPr>
@@ -4906,7 +4911,7 @@
           <p:cNvPr id="35" name="Rectangle 62">
             <a:extLst>
               <a:ext uri="{FF2B5EF4-FFF2-40B4-BE49-F238E27FC236}">
-                <a16:creationId xmlns:a16="http://schemas.microsoft.com/office/drawing/2014/main" id="{973BC9BD-2F48-4388-9A12-1CF20E352BA0}"/>
+                <a16:creationId xmlns:a16="http://schemas.microsoft.com/office/drawing/2014/main" xmlns="" id="{973BC9BD-2F48-4388-9A12-1CF20E352BA0}"/>
               </a:ext>
             </a:extLst>
           </p:cNvPr>
@@ -4915,8 +4920,8 @@
         </p:nvSpPr>
         <p:spPr>
           <a:xfrm>
-            <a:off x="7020246" y="4777286"/>
-            <a:ext cx="1590354" cy="461538"/>
+            <a:off x="7020246" y="4946375"/>
+            <a:ext cx="1174848" cy="338178"/>
           </a:xfrm>
           <a:prstGeom prst="rect">
             <a:avLst/>
@@ -4951,7 +4956,7 @@
           <a:p>
             <a:pPr algn="ctr"/>
             <a:r>
-              <a:rPr lang="en-US" sz="1600" dirty="0" err="1">
+              <a:rPr lang="en-US" sz="1050" dirty="0" err="1" smtClean="0">
                 <a:solidFill>
                   <a:schemeClr val="bg1"/>
                 </a:solidFill>
@@ -4959,14 +4964,22 @@
               <a:t>result:Command</a:t>
             </a:r>
             <a:r>
-              <a:rPr lang="en-US" sz="1600" dirty="0">
+              <a:rPr lang="en-US" sz="1050" dirty="0" smtClean="0">
                 <a:solidFill>
                   <a:schemeClr val="bg1"/>
                 </a:solidFill>
               </a:rPr>
-              <a:t> Result</a:t>
-            </a:r>
-            <a:endParaRPr lang="en-SG" sz="1600" dirty="0">
+              <a:t> </a:t>
+            </a:r>
+            <a:r>
+              <a:rPr lang="en-US" sz="1050" dirty="0">
+                <a:solidFill>
+                  <a:schemeClr val="bg1"/>
+                </a:solidFill>
+              </a:rPr>
+              <a:t>Result</a:t>
+            </a:r>
+            <a:endParaRPr lang="en-SG" sz="1050" dirty="0">
               <a:solidFill>
                 <a:schemeClr val="bg1"/>
               </a:solidFill>
@@ -4979,7 +4992,7 @@
           <p:cNvPr id="36" name="Rectangle 35">
             <a:extLst>
               <a:ext uri="{FF2B5EF4-FFF2-40B4-BE49-F238E27FC236}">
-                <a16:creationId xmlns:a16="http://schemas.microsoft.com/office/drawing/2014/main" id="{FBCC9BC2-A065-4DAF-942B-A0B3C6297DB1}"/>
+                <a16:creationId xmlns:a16="http://schemas.microsoft.com/office/drawing/2014/main" xmlns="" id="{FBCC9BC2-A065-4DAF-942B-A0B3C6297DB1}"/>
               </a:ext>
             </a:extLst>
           </p:cNvPr>
@@ -4988,7 +5001,7 @@
         </p:nvSpPr>
         <p:spPr>
           <a:xfrm>
-            <a:off x="7777323" y="5238824"/>
+            <a:off x="7531470" y="5300829"/>
             <a:ext cx="152400" cy="171376"/>
           </a:xfrm>
           <a:prstGeom prst="rect">
@@ -5032,17 +5045,19 @@
           <p:cNvPr id="37" name="Straight Arrow Connector 36">
             <a:extLst>
               <a:ext uri="{FF2B5EF4-FFF2-40B4-BE49-F238E27FC236}">
-                <a16:creationId xmlns:a16="http://schemas.microsoft.com/office/drawing/2014/main" id="{C1FB4DF1-FB3A-4DFB-9B0D-38D64EA55961}"/>
-              </a:ext>
-            </a:extLst>
-          </p:cNvPr>
-          <p:cNvCxnSpPr/>
+                <a16:creationId xmlns:a16="http://schemas.microsoft.com/office/drawing/2014/main" xmlns="" id="{C1FB4DF1-FB3A-4DFB-9B0D-38D64EA55961}"/>
+              </a:ext>
+            </a:extLst>
+          </p:cNvPr>
+          <p:cNvCxnSpPr>
+            <a:endCxn id="36" idx="1"/>
+          </p:cNvCxnSpPr>
           <p:nvPr/>
         </p:nvCxnSpPr>
         <p:spPr>
           <a:xfrm>
-            <a:off x="6858000" y="5410200"/>
-            <a:ext cx="966624" cy="0"/>
+            <a:off x="6865047" y="5386517"/>
+            <a:ext cx="666423" cy="0"/>
           </a:xfrm>
           <a:prstGeom prst="straightConnector1">
             <a:avLst/>
@@ -5076,7 +5091,7 @@
           <p:cNvPr id="38" name="TextBox 37">
             <a:extLst>
               <a:ext uri="{FF2B5EF4-FFF2-40B4-BE49-F238E27FC236}">
-                <a16:creationId xmlns:a16="http://schemas.microsoft.com/office/drawing/2014/main" id="{DE5D1C39-2444-40B7-A364-6306C7C44DB9}"/>
+                <a16:creationId xmlns:a16="http://schemas.microsoft.com/office/drawing/2014/main" xmlns="" id="{DE5D1C39-2444-40B7-A364-6306C7C44DB9}"/>
               </a:ext>
             </a:extLst>
           </p:cNvPr>
@@ -5122,7 +5137,7 @@
           <p:cNvPr id="39" name="Rectangle 62">
             <a:extLst>
               <a:ext uri="{FF2B5EF4-FFF2-40B4-BE49-F238E27FC236}">
-                <a16:creationId xmlns:a16="http://schemas.microsoft.com/office/drawing/2014/main" id="{BCF89DED-6C3F-467F-A064-1015CB6FD4C4}"/>
+                <a16:creationId xmlns:a16="http://schemas.microsoft.com/office/drawing/2014/main" xmlns="" id="{BCF89DED-6C3F-467F-A064-1015CB6FD4C4}"/>
               </a:ext>
             </a:extLst>
           </p:cNvPr>
@@ -5211,7 +5226,7 @@
           <p:cNvPr id="40" name="Straight Arrow Connector 39">
             <a:extLst>
               <a:ext uri="{FF2B5EF4-FFF2-40B4-BE49-F238E27FC236}">
-                <a16:creationId xmlns:a16="http://schemas.microsoft.com/office/drawing/2014/main" id="{AE7CE694-5CF3-40A7-88E3-7070CC7198AA}"/>
+                <a16:creationId xmlns:a16="http://schemas.microsoft.com/office/drawing/2014/main" xmlns="" id="{AE7CE694-5CF3-40A7-88E3-7070CC7198AA}"/>
               </a:ext>
             </a:extLst>
           </p:cNvPr>
@@ -5251,7 +5266,7 @@
           <p:cNvPr id="41" name="Rectangle 40">
             <a:extLst>
               <a:ext uri="{FF2B5EF4-FFF2-40B4-BE49-F238E27FC236}">
-                <a16:creationId xmlns:a16="http://schemas.microsoft.com/office/drawing/2014/main" id="{D228F208-CDEF-4864-B41B-DD342A829BBD}"/>
+                <a16:creationId xmlns:a16="http://schemas.microsoft.com/office/drawing/2014/main" xmlns="" id="{D228F208-CDEF-4864-B41B-DD342A829BBD}"/>
               </a:ext>
             </a:extLst>
           </p:cNvPr>
@@ -5304,7 +5319,7 @@
           <p:cNvPr id="42" name="Straight Connector 41">
             <a:extLst>
               <a:ext uri="{FF2B5EF4-FFF2-40B4-BE49-F238E27FC236}">
-                <a16:creationId xmlns:a16="http://schemas.microsoft.com/office/drawing/2014/main" id="{397DBD3D-CE70-451E-8957-5EC853B3AF3F}"/>
+                <a16:creationId xmlns:a16="http://schemas.microsoft.com/office/drawing/2014/main" xmlns="" id="{397DBD3D-CE70-451E-8957-5EC853B3AF3F}"/>
               </a:ext>
             </a:extLst>
           </p:cNvPr>
@@ -5349,7 +5364,7 @@
           <p:cNvPr id="43" name="Rectangle 42">
             <a:extLst>
               <a:ext uri="{FF2B5EF4-FFF2-40B4-BE49-F238E27FC236}">
-                <a16:creationId xmlns:a16="http://schemas.microsoft.com/office/drawing/2014/main" id="{D3B771CF-33F2-4457-8E0B-85DBB4B07C74}"/>
+                <a16:creationId xmlns:a16="http://schemas.microsoft.com/office/drawing/2014/main" xmlns="" id="{D3B771CF-33F2-4457-8E0B-85DBB4B07C74}"/>
               </a:ext>
             </a:extLst>
           </p:cNvPr>
@@ -5402,7 +5417,7 @@
           <p:cNvPr id="44" name="Straight Arrow Connector 43">
             <a:extLst>
               <a:ext uri="{FF2B5EF4-FFF2-40B4-BE49-F238E27FC236}">
-                <a16:creationId xmlns:a16="http://schemas.microsoft.com/office/drawing/2014/main" id="{13A5BBE0-D636-4B1B-BF7E-6B6C3F049459}"/>
+                <a16:creationId xmlns:a16="http://schemas.microsoft.com/office/drawing/2014/main" xmlns="" id="{13A5BBE0-D636-4B1B-BF7E-6B6C3F049459}"/>
               </a:ext>
             </a:extLst>
           </p:cNvPr>
@@ -5446,7 +5461,7 @@
           <p:cNvPr id="45" name="Straight Arrow Connector 44">
             <a:extLst>
               <a:ext uri="{FF2B5EF4-FFF2-40B4-BE49-F238E27FC236}">
-                <a16:creationId xmlns:a16="http://schemas.microsoft.com/office/drawing/2014/main" id="{21C71A30-A180-4002-BA64-497DBDB03546}"/>
+                <a16:creationId xmlns:a16="http://schemas.microsoft.com/office/drawing/2014/main" xmlns="" id="{21C71A30-A180-4002-BA64-497DBDB03546}"/>
               </a:ext>
             </a:extLst>
           </p:cNvPr>
@@ -5455,7 +5470,7 @@
         </p:nvCxnSpPr>
         <p:spPr>
           <a:xfrm>
-            <a:off x="6858000" y="5029200"/>
+            <a:off x="6858000" y="5124090"/>
             <a:ext cx="162246" cy="0"/>
           </a:xfrm>
           <a:prstGeom prst="straightConnector1">
@@ -5486,7 +5501,7 @@
           <p:cNvPr id="46" name="Straight Arrow Connector 45">
             <a:extLst>
               <a:ext uri="{FF2B5EF4-FFF2-40B4-BE49-F238E27FC236}">
-                <a16:creationId xmlns:a16="http://schemas.microsoft.com/office/drawing/2014/main" id="{D62FFF4C-BACA-4BAE-9951-20BDC3358DFE}"/>
+                <a16:creationId xmlns:a16="http://schemas.microsoft.com/office/drawing/2014/main" xmlns="" id="{D62FFF4C-BACA-4BAE-9951-20BDC3358DFE}"/>
               </a:ext>
             </a:extLst>
           </p:cNvPr>
@@ -5528,7 +5543,7 @@
           <p:cNvPr id="47" name="Straight Arrow Connector 46">
             <a:extLst>
               <a:ext uri="{FF2B5EF4-FFF2-40B4-BE49-F238E27FC236}">
-                <a16:creationId xmlns:a16="http://schemas.microsoft.com/office/drawing/2014/main" id="{0DFB6C06-DD24-4ED6-ADD0-340DF3CEB738}"/>
+                <a16:creationId xmlns:a16="http://schemas.microsoft.com/office/drawing/2014/main" xmlns="" id="{0DFB6C06-DD24-4ED6-ADD0-340DF3CEB738}"/>
               </a:ext>
             </a:extLst>
           </p:cNvPr>
@@ -5572,7 +5587,7 @@
           <p:cNvPr id="48" name="TextBox 47">
             <a:extLst>
               <a:ext uri="{FF2B5EF4-FFF2-40B4-BE49-F238E27FC236}">
-                <a16:creationId xmlns:a16="http://schemas.microsoft.com/office/drawing/2014/main" id="{ACD196C8-6628-46E8-A3A1-0CC0EB8EE2FB}"/>
+                <a16:creationId xmlns:a16="http://schemas.microsoft.com/office/drawing/2014/main" xmlns="" id="{ACD196C8-6628-46E8-A3A1-0CC0EB8EE2FB}"/>
               </a:ext>
             </a:extLst>
           </p:cNvPr>
@@ -5611,7 +5626,7 @@
           <p:cNvPr id="50" name="TextBox 49">
             <a:extLst>
               <a:ext uri="{FF2B5EF4-FFF2-40B4-BE49-F238E27FC236}">
-                <a16:creationId xmlns:a16="http://schemas.microsoft.com/office/drawing/2014/main" id="{BDECE7DE-FB2A-4167-9FB6-C86150325A89}"/>
+                <a16:creationId xmlns:a16="http://schemas.microsoft.com/office/drawing/2014/main" xmlns="" id="{BDECE7DE-FB2A-4167-9FB6-C86150325A89}"/>
               </a:ext>
             </a:extLst>
           </p:cNvPr>
@@ -5657,6 +5672,213 @@
               <a:rPr lang="en-US" sz="1050" dirty="0"/>
               <a:t>”)</a:t>
             </a:r>
+          </a:p>
+        </p:txBody>
+      </p:sp>
+      <p:cxnSp>
+        <p:nvCxnSpPr>
+          <p:cNvPr id="49" name="Straight Arrow Connector 48">
+            <a:extLst>
+              <a:ext uri="{FF2B5EF4-FFF2-40B4-BE49-F238E27FC236}">
+                <a16:creationId xmlns:a16="http://schemas.microsoft.com/office/drawing/2014/main" xmlns="" id="{A07F0278-A29F-4390-B23C-B40C6CE0E5F4}"/>
+              </a:ext>
+            </a:extLst>
+          </p:cNvPr>
+          <p:cNvCxnSpPr/>
+          <p:nvPr/>
+        </p:nvCxnSpPr>
+        <p:spPr>
+          <a:xfrm flipV="1">
+            <a:off x="6848774" y="4848674"/>
+            <a:ext cx="1838026" cy="9750"/>
+          </a:xfrm>
+          <a:prstGeom prst="straightConnector1">
+            <a:avLst/>
+          </a:prstGeom>
+          <a:ln w="19050">
+            <a:solidFill>
+              <a:srgbClr val="9933FF"/>
+            </a:solidFill>
+            <a:prstDash val="sysDash"/>
+            <a:headEnd type="arrow" w="med" len="med"/>
+            <a:tailEnd type="none" w="med" len="med"/>
+          </a:ln>
+        </p:spPr>
+        <p:style>
+          <a:lnRef idx="1">
+            <a:schemeClr val="accent1"/>
+          </a:lnRef>
+          <a:fillRef idx="0">
+            <a:schemeClr val="accent1"/>
+          </a:fillRef>
+          <a:effectRef idx="0">
+            <a:schemeClr val="accent1"/>
+          </a:effectRef>
+          <a:fontRef idx="minor">
+            <a:schemeClr val="tx1"/>
+          </a:fontRef>
+        </p:style>
+      </p:cxnSp>
+      <p:cxnSp>
+        <p:nvCxnSpPr>
+          <p:cNvPr id="51" name="Straight Arrow Connector 50">
+            <a:extLst>
+              <a:ext uri="{FF2B5EF4-FFF2-40B4-BE49-F238E27FC236}">
+                <a16:creationId xmlns:a16="http://schemas.microsoft.com/office/drawing/2014/main" xmlns="" id="{8ADD8D5D-28CD-413E-B204-1399DA840115}"/>
+              </a:ext>
+            </a:extLst>
+          </p:cNvPr>
+          <p:cNvCxnSpPr/>
+          <p:nvPr/>
+        </p:nvCxnSpPr>
+        <p:spPr>
+          <a:xfrm>
+            <a:off x="6865047" y="4744639"/>
+            <a:ext cx="1836137" cy="0"/>
+          </a:xfrm>
+          <a:prstGeom prst="straightConnector1">
+            <a:avLst/>
+          </a:prstGeom>
+          <a:ln w="19050">
+            <a:solidFill>
+              <a:srgbClr val="0070C0"/>
+            </a:solidFill>
+            <a:tailEnd type="arrow"/>
+          </a:ln>
+        </p:spPr>
+        <p:style>
+          <a:lnRef idx="1">
+            <a:schemeClr val="accent1"/>
+          </a:lnRef>
+          <a:fillRef idx="0">
+            <a:schemeClr val="accent1"/>
+          </a:fillRef>
+          <a:effectRef idx="0">
+            <a:schemeClr val="accent1"/>
+          </a:effectRef>
+          <a:fontRef idx="minor">
+            <a:schemeClr val="tx1"/>
+          </a:fontRef>
+        </p:style>
+      </p:cxnSp>
+      <p:sp>
+        <p:nvSpPr>
+          <p:cNvPr id="53" name="TextBox 52">
+            <a:extLst>
+              <a:ext uri="{FF2B5EF4-FFF2-40B4-BE49-F238E27FC236}">
+                <a16:creationId xmlns:a16="http://schemas.microsoft.com/office/drawing/2014/main" xmlns="" id="{53F25359-4DB3-48DB-A678-8519E5CCB3A5}"/>
+              </a:ext>
+            </a:extLst>
+          </p:cNvPr>
+          <p:cNvSpPr txBox="1"/>
+          <p:nvPr/>
+        </p:nvSpPr>
+        <p:spPr>
+          <a:xfrm>
+            <a:off x="7076975" y="4592120"/>
+            <a:ext cx="1424846" cy="161583"/>
+          </a:xfrm>
+          <a:prstGeom prst="rect">
+            <a:avLst/>
+          </a:prstGeom>
+          <a:noFill/>
+        </p:spPr>
+        <p:txBody>
+          <a:bodyPr wrap="square" lIns="0" tIns="0" rIns="0" bIns="0" rtlCol="0">
+            <a:spAutoFit/>
+          </a:bodyPr>
+          <a:lstStyle>
+            <a:defPPr>
+              <a:defRPr lang="en-US"/>
+            </a:defPPr>
+            <a:lvl1pPr algn="r">
+              <a:defRPr sz="1400">
+                <a:solidFill>
+                  <a:srgbClr val="0070C0"/>
+                </a:solidFill>
+              </a:defRPr>
+            </a:lvl1pPr>
+          </a:lstStyle>
+          <a:p>
+            <a:pPr algn="l"/>
+            <a:r>
+              <a:rPr lang="en-US" sz="1050" dirty="0" err="1" smtClean="0">
+                <a:solidFill>
+                  <a:srgbClr val="7030A0"/>
+                </a:solidFill>
+              </a:rPr>
+              <a:t>sendEmail</a:t>
+            </a:r>
+            <a:r>
+              <a:rPr lang="en-US" sz="1050" dirty="0" smtClean="0">
+                <a:solidFill>
+                  <a:srgbClr val="7030A0"/>
+                </a:solidFill>
+              </a:rPr>
+              <a:t>()</a:t>
+            </a:r>
+            <a:endParaRPr lang="en-US" sz="1050" dirty="0">
+              <a:solidFill>
+                <a:srgbClr val="7030A0"/>
+              </a:solidFill>
+            </a:endParaRPr>
+          </a:p>
+        </p:txBody>
+      </p:sp>
+      <p:sp>
+        <p:nvSpPr>
+          <p:cNvPr id="54" name="Rectangle 53">
+            <a:extLst>
+              <a:ext uri="{FF2B5EF4-FFF2-40B4-BE49-F238E27FC236}">
+                <a16:creationId xmlns:a16="http://schemas.microsoft.com/office/drawing/2014/main" xmlns="" id="{6DF2732F-E1E0-48B2-B9F7-D9EF96A97600}"/>
+              </a:ext>
+            </a:extLst>
+          </p:cNvPr>
+          <p:cNvSpPr/>
+          <p:nvPr/>
+        </p:nvSpPr>
+        <p:spPr>
+          <a:xfrm>
+            <a:off x="8704948" y="4710675"/>
+            <a:ext cx="152400" cy="199803"/>
+          </a:xfrm>
+          <a:prstGeom prst="rect">
+            <a:avLst/>
+          </a:prstGeom>
+          <a:solidFill>
+            <a:srgbClr val="9933FF"/>
+          </a:solidFill>
+          <a:ln>
+            <a:solidFill>
+              <a:srgbClr val="6F75F7"/>
+            </a:solidFill>
+          </a:ln>
+          <a:effectLst/>
+        </p:spPr>
+        <p:style>
+          <a:lnRef idx="1">
+            <a:schemeClr val="accent3"/>
+          </a:lnRef>
+          <a:fillRef idx="2">
+            <a:schemeClr val="accent3"/>
+          </a:fillRef>
+          <a:effectRef idx="1">
+            <a:schemeClr val="accent3"/>
+          </a:effectRef>
+          <a:fontRef idx="minor">
+            <a:schemeClr val="dk1"/>
+          </a:fontRef>
+        </p:style>
+        <p:txBody>
+          <a:bodyPr rtlCol="0" anchor="ctr"/>
+          <a:lstStyle/>
+          <a:p>
+            <a:pPr algn="ctr"/>
+            <a:endParaRPr lang="en-SG" sz="1400">
+              <a:solidFill>
+                <a:schemeClr val="dk1"/>
+              </a:solidFill>
+            </a:endParaRPr>
           </a:p>
         </p:txBody>
       </p:sp>
@@ -5962,7 +6184,7 @@
   <a:extraClrSchemeLst/>
   <a:extLst>
     <a:ext uri="{05A4C25C-085E-4340-85A3-A5531E510DB2}">
-      <thm15:themeFamily xmlns:thm15="http://schemas.microsoft.com/office/thememl/2012/main" name="Office Theme" id="{62F939B6-93AF-4DB8-9C6B-D6C7DFDC589F}" vid="{4A3C46E8-61CC-4603-A589-7422A47A8E4A}"/>
+      <thm15:themeFamily xmlns:thm15="http://schemas.microsoft.com/office/thememl/2012/main" xmlns="" name="Office Theme" id="{62F939B6-93AF-4DB8-9C6B-D6C7DFDC589F}" vid="{4A3C46E8-61CC-4603-A589-7422A47A8E4A}"/>
     </a:ext>
   </a:extLst>
 </a:theme>
